--- a/Tablas & Relaciones.pptx
+++ b/Tablas & Relaciones.pptx
@@ -130,6 +130,43 @@
     </p:ext>
   </p:extLst>
 </p:presentation>
+</file>
+
+<file path=ppt/revisionInfo.xml><?xml version="1.0" encoding="utf-8"?>
+<p1510:revInfo xmlns:a="http://schemas.openxmlformats.org/drawingml/2006/main" xmlns:r="http://schemas.openxmlformats.org/officeDocument/2006/relationships" xmlns:p1510="http://schemas.microsoft.com/office/powerpoint/2015/10/main">
+  <p1510:revLst>
+    <p1510:client id="{5AA77923-6F90-4AC1-A3D9-5B808689C70B}" v="2" dt="2022-10-18T23:41:36.717"/>
+  </p1510:revLst>
+</p1510:revInfo>
+</file>
+
+<file path=ppt/changesInfos/changesInfo1.xml><?xml version="1.0" encoding="utf-8"?>
+<pc:chgInfo xmlns:a="http://schemas.openxmlformats.org/drawingml/2006/main" xmlns:r="http://schemas.openxmlformats.org/officeDocument/2006/relationships" xmlns:ac="http://schemas.microsoft.com/office/drawing/2013/main/command" xmlns:pc="http://schemas.microsoft.com/office/powerpoint/2013/main/command">
+  <pc:docChgLst>
+    <pc:chgData name="Guillermo Bernardo Duran Gonzalez" userId="61eaa5ce-44d9-4cc9-92ae-057e10750418" providerId="ADAL" clId="{5AA77923-6F90-4AC1-A3D9-5B808689C70B}"/>
+    <pc:docChg chg="undo custSel modSld">
+      <pc:chgData name="Guillermo Bernardo Duran Gonzalez" userId="61eaa5ce-44d9-4cc9-92ae-057e10750418" providerId="ADAL" clId="{5AA77923-6F90-4AC1-A3D9-5B808689C70B}" dt="2022-10-18T23:41:34.852" v="2" actId="20578"/>
+      <pc:docMkLst>
+        <pc:docMk/>
+      </pc:docMkLst>
+      <pc:sldChg chg="modSp mod">
+        <pc:chgData name="Guillermo Bernardo Duran Gonzalez" userId="61eaa5ce-44d9-4cc9-92ae-057e10750418" providerId="ADAL" clId="{5AA77923-6F90-4AC1-A3D9-5B808689C70B}" dt="2022-10-18T23:41:34.852" v="2" actId="20578"/>
+        <pc:sldMkLst>
+          <pc:docMk/>
+          <pc:sldMk cId="0" sldId="263"/>
+        </pc:sldMkLst>
+        <pc:spChg chg="mod">
+          <ac:chgData name="Guillermo Bernardo Duran Gonzalez" userId="61eaa5ce-44d9-4cc9-92ae-057e10750418" providerId="ADAL" clId="{5AA77923-6F90-4AC1-A3D9-5B808689C70B}" dt="2022-10-18T23:41:34.852" v="2" actId="20578"/>
+          <ac:spMkLst>
+            <pc:docMk/>
+            <pc:sldMk cId="0" sldId="263"/>
+            <ac:spMk id="3" creationId="{00000000-0000-0000-0000-000000000000}"/>
+          </ac:spMkLst>
+        </pc:spChg>
+      </pc:sldChg>
+    </pc:docChg>
+  </pc:docChgLst>
+</pc:chgInfo>
 </file>
 
 <file path=ppt/slideLayouts/slideLayout1.xml><?xml version="1.0" encoding="utf-8"?>
@@ -4949,20 +4986,24 @@
               <a:t>’)) </a:t>
             </a:r>
             <a:r>
-              <a:rPr dirty="0" err="1"/>
+              <a:rPr lang="es-CL" dirty="0" err="1"/>
               <a:t>colnames</a:t>
             </a:r>
             <a:r>
-              <a:rPr dirty="0"/>
+              <a:rPr lang="es-CL" dirty="0"/>
               <a:t>(</a:t>
             </a:r>
             <a:r>
-              <a:rPr dirty="0" err="1"/>
+              <a:rPr lang="es-CL" dirty="0" err="1"/>
               <a:t>lj_pi</a:t>
             </a:r>
             <a:r>
-              <a:rPr dirty="0"/>
-              <a:t>) head(</a:t>
+              <a:rPr lang="es-CL" dirty="0"/>
+              <a:t>) </a:t>
+            </a:r>
+            <a:r>
+              <a:rPr dirty="0"/>
+              <a:t>head(</a:t>
             </a:r>
             <a:r>
               <a:rPr dirty="0" err="1"/>

--- a/Tablas & Relaciones.pptx
+++ b/Tablas & Relaciones.pptx
@@ -145,7 +145,7 @@
   <pc:docChgLst>
     <pc:chgData name="Guillermo Bernardo Duran Gonzalez" userId="61eaa5ce-44d9-4cc9-92ae-057e10750418" providerId="ADAL" clId="{5AA77923-6F90-4AC1-A3D9-5B808689C70B}"/>
     <pc:docChg chg="undo custSel modSld">
-      <pc:chgData name="Guillermo Bernardo Duran Gonzalez" userId="61eaa5ce-44d9-4cc9-92ae-057e10750418" providerId="ADAL" clId="{5AA77923-6F90-4AC1-A3D9-5B808689C70B}" dt="2022-10-18T23:41:34.852" v="2" actId="20578"/>
+      <pc:chgData name="Guillermo Bernardo Duran Gonzalez" userId="61eaa5ce-44d9-4cc9-92ae-057e10750418" providerId="ADAL" clId="{5AA77923-6F90-4AC1-A3D9-5B808689C70B}" dt="2022-10-19T00:11:31.171" v="56" actId="313"/>
       <pc:docMkLst>
         <pc:docMk/>
       </pc:docMkLst>
@@ -161,6 +161,21 @@
             <pc:docMk/>
             <pc:sldMk cId="0" sldId="263"/>
             <ac:spMk id="3" creationId="{00000000-0000-0000-0000-000000000000}"/>
+          </ac:spMkLst>
+        </pc:spChg>
+      </pc:sldChg>
+      <pc:sldChg chg="modSp mod">
+        <pc:chgData name="Guillermo Bernardo Duran Gonzalez" userId="61eaa5ce-44d9-4cc9-92ae-057e10750418" providerId="ADAL" clId="{5AA77923-6F90-4AC1-A3D9-5B808689C70B}" dt="2022-10-19T00:11:31.171" v="56" actId="313"/>
+        <pc:sldMkLst>
+          <pc:docMk/>
+          <pc:sldMk cId="0" sldId="264"/>
+        </pc:sldMkLst>
+        <pc:spChg chg="mod">
+          <ac:chgData name="Guillermo Bernardo Duran Gonzalez" userId="61eaa5ce-44d9-4cc9-92ae-057e10750418" providerId="ADAL" clId="{5AA77923-6F90-4AC1-A3D9-5B808689C70B}" dt="2022-10-19T00:11:31.171" v="56" actId="313"/>
+          <ac:spMkLst>
+            <pc:docMk/>
+            <pc:sldMk cId="0" sldId="264"/>
+            <ac:spMk id="3" creationId="{D7451200-1F95-BD18-762B-C8B91076DCF0}"/>
           </ac:spMkLst>
         </pc:spChg>
       </pc:sldChg>
@@ -3270,7 +3285,7 @@
         </p:spPr>
         <p:txBody>
           <a:bodyPr>
-            <a:normAutofit fontScale="85000" lnSpcReduction="20000"/>
+            <a:normAutofit fontScale="62500" lnSpcReduction="20000"/>
           </a:bodyPr>
           <a:lstStyle/>
           <a:p>
@@ -3311,7 +3326,7 @@
             </a:r>
             <a:r>
               <a:rPr lang="es-CL" dirty="0"/>
-              <a:t>=c(‘</a:t>
+              <a:t>=c(“</a:t>
             </a:r>
             <a:r>
               <a:rPr lang="es-CL" dirty="0" err="1"/>
@@ -3319,7 +3334,7 @@
             </a:r>
             <a:r>
               <a:rPr lang="es-CL" dirty="0"/>
-              <a:t>’=‘</a:t>
+              <a:t>”=“</a:t>
             </a:r>
             <a:r>
               <a:rPr lang="es-CL" dirty="0" err="1"/>
@@ -3327,7 +3342,16 @@
             </a:r>
             <a:r>
               <a:rPr lang="es-CL" dirty="0"/>
-              <a:t>’)) View(</a:t>
+              <a:t>”)) </a:t>
+            </a:r>
+          </a:p>
+          <a:p>
+            <a:pPr marL="0" lvl="0" indent="0">
+              <a:buNone/>
+            </a:pPr>
+            <a:r>
+              <a:rPr lang="es-CL" dirty="0"/>
+              <a:t>View(</a:t>
             </a:r>
             <a:r>
               <a:rPr lang="es-CL" dirty="0" err="1"/>
@@ -3337,9 +3361,14 @@
               <a:rPr lang="es-CL" dirty="0"/>
               <a:t>) </a:t>
             </a:r>
+          </a:p>
+          <a:p>
+            <a:pPr marL="0" lvl="0" indent="0">
+              <a:buNone/>
+            </a:pPr>
             <a:r>
               <a:rPr lang="es-CL" dirty="0" err="1"/>
-              <a:t>length</a:t>
+              <a:t>dim</a:t>
             </a:r>
             <a:r>
               <a:rPr lang="es-CL" dirty="0"/>
@@ -3353,9 +3382,90 @@
               <a:rPr lang="es-CL" dirty="0"/>
               <a:t>) </a:t>
             </a:r>
+          </a:p>
+          <a:p>
+            <a:pPr marL="0" lvl="0" indent="0">
+              <a:buNone/>
+            </a:pPr>
+            <a:endParaRPr lang="es-CL" dirty="0"/>
+          </a:p>
+          <a:p>
+            <a:pPr marL="0" lvl="0" indent="0">
+              <a:buNone/>
+            </a:pPr>
             <a:r>
               <a:rPr lang="es-CL" dirty="0" err="1"/>
-              <a:t>nrow</a:t>
+              <a:t>lj_dk</a:t>
+            </a:r>
+            <a:r>
+              <a:rPr lang="es-CL" dirty="0"/>
+              <a:t> &lt;-k %&gt;% </a:t>
+            </a:r>
+            <a:r>
+              <a:rPr lang="es-CL" dirty="0" err="1"/>
+              <a:t>left_join</a:t>
+            </a:r>
+            <a:r>
+              <a:rPr lang="es-CL" dirty="0"/>
+              <a:t>(d, </a:t>
+            </a:r>
+            <a:r>
+              <a:rPr lang="es-CL" dirty="0" err="1"/>
+              <a:t>by</a:t>
+            </a:r>
+            <a:r>
+              <a:rPr lang="es-CL" dirty="0"/>
+              <a:t>=c(“</a:t>
+            </a:r>
+            <a:r>
+              <a:rPr lang="es-CL" dirty="0" err="1"/>
+              <a:t>category_departament_id</a:t>
+            </a:r>
+            <a:r>
+              <a:rPr lang="es-CL" dirty="0"/>
+              <a:t>”=“</a:t>
+            </a:r>
+            <a:r>
+              <a:rPr lang="es-CL" dirty="0" err="1"/>
+              <a:t>Freq.department_id</a:t>
+            </a:r>
+            <a:r>
+              <a:rPr lang="es-CL" dirty="0"/>
+              <a:t>”)) View(</a:t>
+            </a:r>
+            <a:r>
+              <a:rPr lang="es-CL" dirty="0" err="1"/>
+              <a:t>lj_dk</a:t>
+            </a:r>
+            <a:r>
+              <a:rPr lang="es-CL" dirty="0"/>
+              <a:t>) </a:t>
+            </a:r>
+          </a:p>
+          <a:p>
+            <a:pPr marL="0" lvl="0" indent="0">
+              <a:buNone/>
+            </a:pPr>
+            <a:r>
+              <a:rPr lang="es-CL" dirty="0"/>
+              <a:t>View(</a:t>
+            </a:r>
+            <a:r>
+              <a:rPr lang="es-CL" dirty="0" err="1"/>
+              <a:t>ij_dk</a:t>
+            </a:r>
+            <a:r>
+              <a:rPr lang="es-CL" dirty="0"/>
+              <a:t>) </a:t>
+            </a:r>
+          </a:p>
+          <a:p>
+            <a:pPr marL="0" lvl="0" indent="0">
+              <a:buNone/>
+            </a:pPr>
+            <a:r>
+              <a:rPr lang="es-CL" dirty="0" err="1"/>
+              <a:t>dim</a:t>
             </a:r>
             <a:r>
               <a:rPr lang="es-CL" dirty="0"/>
@@ -3367,7 +3477,7 @@
             </a:r>
             <a:r>
               <a:rPr lang="es-CL" dirty="0"/>
-              <a:t>)</a:t>
+              <a:t>) </a:t>
             </a:r>
           </a:p>
           <a:p>
@@ -3382,7 +3492,7 @@
             </a:pPr>
             <a:r>
               <a:rPr lang="es-CL" dirty="0" err="1"/>
-              <a:t>lj_dk</a:t>
+              <a:t>rj_dk</a:t>
             </a:r>
             <a:r>
               <a:rPr lang="es-CL" dirty="0"/>
@@ -3390,7 +3500,7 @@
             </a:r>
             <a:r>
               <a:rPr lang="es-CL" dirty="0" err="1"/>
-              <a:t>left_join</a:t>
+              <a:t>right_join</a:t>
             </a:r>
             <a:r>
               <a:rPr lang="es-CL" dirty="0"/>
@@ -3402,7 +3512,7 @@
             </a:r>
             <a:r>
               <a:rPr lang="es-CL" dirty="0"/>
-              <a:t>=c(‘</a:t>
+              <a:t>=c(“</a:t>
             </a:r>
             <a:r>
               <a:rPr lang="es-CL" dirty="0" err="1"/>
@@ -3410,7 +3520,7 @@
             </a:r>
             <a:r>
               <a:rPr lang="es-CL" dirty="0"/>
-              <a:t>’=‘</a:t>
+              <a:t>”=“</a:t>
             </a:r>
             <a:r>
               <a:rPr lang="es-CL" dirty="0" err="1"/>
@@ -3418,19 +3528,41 @@
             </a:r>
             <a:r>
               <a:rPr lang="es-CL" dirty="0"/>
-              <a:t>’)) View(</a:t>
+              <a:t>”)) View(</a:t>
             </a:r>
             <a:r>
               <a:rPr lang="es-CL" dirty="0" err="1"/>
-              <a:t>lj_dk</a:t>
+              <a:t>rj_dk</a:t>
             </a:r>
             <a:r>
               <a:rPr lang="es-CL" dirty="0"/>
               <a:t>) </a:t>
             </a:r>
+          </a:p>
+          <a:p>
+            <a:pPr marL="0" lvl="0" indent="0">
+              <a:buNone/>
+            </a:pPr>
+            <a:r>
+              <a:rPr lang="es-CL" dirty="0"/>
+              <a:t>View(</a:t>
+            </a:r>
             <a:r>
               <a:rPr lang="es-CL" dirty="0" err="1"/>
-              <a:t>length</a:t>
+              <a:t>ij_dk</a:t>
+            </a:r>
+            <a:r>
+              <a:rPr lang="es-CL" dirty="0"/>
+              <a:t>) </a:t>
+            </a:r>
+          </a:p>
+          <a:p>
+            <a:pPr marL="0" lvl="0" indent="0">
+              <a:buNone/>
+            </a:pPr>
+            <a:r>
+              <a:rPr lang="es-CL" dirty="0" err="1"/>
+              <a:t>dim</a:t>
             </a:r>
             <a:r>
               <a:rPr lang="es-CL" dirty="0"/>
@@ -3438,118 +3570,11 @@
             </a:r>
             <a:r>
               <a:rPr lang="es-CL" dirty="0" err="1"/>
-              <a:t>lj_dk</a:t>
+              <a:t>ij_dk</a:t>
             </a:r>
             <a:r>
               <a:rPr lang="es-CL" dirty="0"/>
               <a:t>) </a:t>
-            </a:r>
-            <a:r>
-              <a:rPr lang="es-CL" dirty="0" err="1"/>
-              <a:t>nrow</a:t>
-            </a:r>
-            <a:r>
-              <a:rPr lang="es-CL" dirty="0"/>
-              <a:t>(</a:t>
-            </a:r>
-            <a:r>
-              <a:rPr lang="es-CL" dirty="0" err="1"/>
-              <a:t>lj_dk</a:t>
-            </a:r>
-            <a:r>
-              <a:rPr lang="es-CL" dirty="0"/>
-              <a:t>)</a:t>
-            </a:r>
-          </a:p>
-          <a:p>
-            <a:pPr marL="0" lvl="0" indent="0">
-              <a:buNone/>
-            </a:pPr>
-            <a:endParaRPr lang="es-CL" dirty="0"/>
-          </a:p>
-          <a:p>
-            <a:pPr marL="0" lvl="0" indent="0">
-              <a:buNone/>
-            </a:pPr>
-            <a:r>
-              <a:rPr lang="es-CL" dirty="0" err="1"/>
-              <a:t>rj_dk</a:t>
-            </a:r>
-            <a:r>
-              <a:rPr lang="es-CL" dirty="0"/>
-              <a:t> &lt;-k %&gt;% </a:t>
-            </a:r>
-            <a:r>
-              <a:rPr lang="es-CL" dirty="0" err="1"/>
-              <a:t>right_join</a:t>
-            </a:r>
-            <a:r>
-              <a:rPr lang="es-CL" dirty="0"/>
-              <a:t>(d, </a:t>
-            </a:r>
-            <a:r>
-              <a:rPr lang="es-CL" dirty="0" err="1"/>
-              <a:t>by</a:t>
-            </a:r>
-            <a:r>
-              <a:rPr lang="es-CL" dirty="0"/>
-              <a:t>=c(‘</a:t>
-            </a:r>
-            <a:r>
-              <a:rPr lang="es-CL" dirty="0" err="1"/>
-              <a:t>category_departament_id</a:t>
-            </a:r>
-            <a:r>
-              <a:rPr lang="es-CL" dirty="0"/>
-              <a:t>’=‘</a:t>
-            </a:r>
-            <a:r>
-              <a:rPr lang="es-CL" dirty="0" err="1"/>
-              <a:t>Freq.department_id</a:t>
-            </a:r>
-            <a:r>
-              <a:rPr lang="es-CL" dirty="0"/>
-              <a:t>’)) View(</a:t>
-            </a:r>
-            <a:r>
-              <a:rPr lang="es-CL" dirty="0" err="1"/>
-              <a:t>rj_dk</a:t>
-            </a:r>
-            <a:r>
-              <a:rPr lang="es-CL" dirty="0"/>
-              <a:t>) </a:t>
-            </a:r>
-            <a:r>
-              <a:rPr lang="es-CL" dirty="0" err="1"/>
-              <a:t>length</a:t>
-            </a:r>
-            <a:r>
-              <a:rPr lang="es-CL" dirty="0"/>
-              <a:t>(</a:t>
-            </a:r>
-            <a:r>
-              <a:rPr lang="es-CL" dirty="0" err="1"/>
-              <a:t>rj_dk</a:t>
-            </a:r>
-            <a:r>
-              <a:rPr lang="es-CL" dirty="0"/>
-              <a:t>) </a:t>
-            </a:r>
-            <a:r>
-              <a:rPr lang="es-CL" dirty="0" err="1"/>
-              <a:t>nrow</a:t>
-            </a:r>
-            <a:r>
-              <a:rPr lang="es-CL" dirty="0"/>
-              <a:t>(</a:t>
-            </a:r>
-            <a:r>
-              <a:rPr lang="es-CL" dirty="0" err="1"/>
-              <a:t>rj_dk</a:t>
-            </a:r>
-            <a:r>
-              <a:rPr lang="es-CL" dirty="0"/>
-              <a:t>)</a:t>
             </a:r>
           </a:p>
         </p:txBody>
